--- a/test_complete_fixes_output.pptx
+++ b/test_complete_fixes_output.pptx
@@ -635,7 +635,7 @@
               <c:strCache>
                 <c:ptCount val="1"/>
                 <c:pt idx="0">
-                  <c:v>Revenue (HK$ M)</c:v>
+                  <c:v>Revenue ($M)</c:v>
                 </c:pt>
               </c:strCache>
             </c:strRef>
@@ -644,7 +644,7 @@
             <c:idx val="0"/>
             <c:spPr>
               <a:solidFill>
-                <a:srgbClr val="183A58"/>
+                <a:srgbClr val="B5975B"/>
               </a:solidFill>
             </c:spPr>
           </c:dPt>
@@ -710,19 +710,19 @@
                 <c:formatCode>General</c:formatCode>
                 <c:ptCount val="5"/>
                 <c:pt idx="0">
-                  <c:v>30</c:v>
+                  <c:v>30.0</c:v>
                 </c:pt>
                 <c:pt idx="1">
-                  <c:v>5</c:v>
+                  <c:v>5.0</c:v>
                 </c:pt>
                 <c:pt idx="2">
-                  <c:v>300</c:v>
+                  <c:v>300.0</c:v>
                 </c:pt>
                 <c:pt idx="3">
-                  <c:v>8</c:v>
+                  <c:v>8.0</c:v>
                 </c:pt>
                 <c:pt idx="4">
-                  <c:v>10</c:v>
+                  <c:v>10.0</c:v>
                 </c:pt>
               </c:numCache>
             </c:numRef>
@@ -4117,7 +4117,7 @@
         <p:spPr>
           <a:xfrm>
             <a:off x="731520" y="1188720"/>
-            <a:ext cx="6400800" cy="1097280"/>
+            <a:ext cx="5943600" cy="914400"/>
           </a:xfrm>
           <a:prstGeom prst="rect">
             <a:avLst/>
@@ -4388,7 +4388,7 @@
                 </a:solidFill>
                 <a:latin typeface="Arial"/>
               </a:rPr>
-              <a:t>(2+ years of operation)</a:t>
+              <a:t>(9+ years of growth and expansion)</a:t>
             </a:r>
           </a:p>
         </p:txBody>
@@ -4401,8 +4401,8 @@
         </p:nvSpPr>
         <p:spPr>
           <a:xfrm>
-            <a:off x="7315200" y="1188720"/>
-            <a:ext cx="4389120" cy="5303520"/>
+            <a:off x="7498079" y="1188720"/>
+            <a:ext cx="4206240" cy="5120640"/>
           </a:xfrm>
           <a:prstGeom prst="rect">
             <a:avLst/>
@@ -4445,8 +4445,8 @@
         </p:nvSpPr>
         <p:spPr>
           <a:xfrm>
-            <a:off x="7498079" y="1280160"/>
-            <a:ext cx="4023360" cy="274320"/>
+            <a:off x="7589520" y="1280160"/>
+            <a:ext cx="3840480" cy="274320"/>
           </a:xfrm>
           <a:prstGeom prst="rect">
             <a:avLst/>
@@ -5150,7 +5150,7 @@
                 </a:solidFill>
                 <a:latin typeface="Arial"/>
               </a:rPr>
-              <a:t>LlamaIndex</a:t>
+              <a:t>Moelis</a:t>
             </a:r>
           </a:p>
         </p:txBody>
@@ -6030,7 +6030,7 @@
                 </a:solidFill>
                 <a:latin typeface="Arial"/>
               </a:rPr>
-              <a:t>• Reduced risk exposure</a:t>
+              <a:t>• Operational flexibility</a:t>
             </a:r>
           </a:p>
         </p:txBody>
@@ -6069,7 +6069,7 @@
                 </a:solidFill>
                 <a:latin typeface="Arial"/>
               </a:rPr>
-              <a:t>• Enhanced stability</a:t>
+              <a:t>• Market responsiveness</a:t>
             </a:r>
           </a:p>
         </p:txBody>
@@ -6108,7 +6108,7 @@
                 </a:solidFill>
                 <a:latin typeface="Arial"/>
               </a:rPr>
-              <a:t>• Improved resilience</a:t>
+              <a:t>• Cost adaptability</a:t>
             </a:r>
           </a:p>
         </p:txBody>
@@ -6230,7 +6230,7 @@
                 </a:solidFill>
                 <a:latin typeface="Arial"/>
               </a:rPr>
-              <a:t>Strong cost discipline and risk management framework support sustainable profitability.</a:t>
+              <a:t>Strong operational resilience through diversified revenue streams and disciplined cost management supports sustainable margin expansion and reduced business risk profile.</a:t>
             </a:r>
           </a:p>
         </p:txBody>
@@ -6302,7 +6302,7 @@
               </a:defRPr>
             </a:pPr>
             <a:r>
-              <a:t>LlamaIndex</a:t>
+              <a:t>Moelis</a:t>
             </a:r>
           </a:p>
         </p:txBody>
@@ -7230,7 +7230,7 @@
               </a:defRPr>
             </a:pPr>
             <a:r>
-              <a:t>LlamaIndex</a:t>
+              <a:t>Moelis</a:t>
             </a:r>
           </a:p>
         </p:txBody>
@@ -7720,7 +7720,7 @@
               </a:defRPr>
             </a:pPr>
             <a:r>
-              <a:t>LlamaIndex</a:t>
+              <a:t>Moelis</a:t>
             </a:r>
           </a:p>
         </p:txBody>
@@ -8000,29 +8000,6 @@
                           </a:solidFill>
                           <a:latin typeface="Arial"/>
                         </a:rPr>
-                        <a:t>N/A</a:t>
-                      </a:r>
-                    </a:p>
-                  </a:txBody>
-                  <a:tcPr marL="45720" marR="45720" marT="45720" marB="45720">
-                    <a:solidFill>
-                      <a:srgbClr val="FFFFFF"/>
-                    </a:solidFill>
-                  </a:tcPr>
-                </a:tc>
-                <a:tc>
-                  <a:txBody>
-                    <a:bodyPr wrap="square"/>
-                    <a:lstStyle/>
-                    <a:p>
-                      <a:pPr algn="l"/>
-                      <a:r>
-                        <a:rPr sz="1100">
-                          <a:solidFill>
-                            <a:srgbClr val="404040"/>
-                          </a:solidFill>
-                          <a:latin typeface="Arial"/>
-                        </a:rPr>
                         <a:t>World's largest AI chipmaker and GPU/cloud infrastructure leader.</a:t>
                       </a:r>
                     </a:p>
@@ -8047,6 +8024,29 @@
                           <a:latin typeface="Arial"/>
                         </a:rPr>
                         <a:t>Expand AI infrastructure and accelerate agentic platform adoption for enterprise customers.</a:t>
+                      </a:r>
+                    </a:p>
+                  </a:txBody>
+                  <a:tcPr marL="45720" marR="45720" marT="45720" marB="45720">
+                    <a:solidFill>
+                      <a:srgbClr val="FFFFFF"/>
+                    </a:solidFill>
+                  </a:tcPr>
+                </a:tc>
+                <a:tc>
+                  <a:txBody>
+                    <a:bodyPr wrap="square"/>
+                    <a:lstStyle/>
+                    <a:p>
+                      <a:pPr algn="l"/>
+                      <a:r>
+                        <a:rPr sz="1100">
+                          <a:solidFill>
+                            <a:srgbClr val="404040"/>
+                          </a:solidFill>
+                          <a:latin typeface="Arial"/>
+                        </a:rPr>
+                        <a:t>Integrate LlamaIndex's platform with NVIDIA AI infrastructure and developer ecosystem.</a:t>
                       </a:r>
                     </a:p>
                   </a:txBody>
@@ -8117,29 +8117,6 @@
                           </a:solidFill>
                           <a:latin typeface="Arial"/>
                         </a:rPr>
-                        <a:t>N/A</a:t>
-                      </a:r>
-                    </a:p>
-                  </a:txBody>
-                  <a:tcPr marL="45720" marR="45720" marT="45720" marB="45720">
-                    <a:solidFill>
-                      <a:srgbClr val="F0F0F0"/>
-                    </a:solidFill>
-                  </a:tcPr>
-                </a:tc>
-                <a:tc>
-                  <a:txBody>
-                    <a:bodyPr wrap="square"/>
-                    <a:lstStyle/>
-                    <a:p>
-                      <a:pPr algn="l"/>
-                      <a:r>
-                        <a:rPr sz="1100">
-                          <a:solidFill>
-                            <a:srgbClr val="404040"/>
-                          </a:solidFill>
-                          <a:latin typeface="Arial"/>
-                        </a:rPr>
                         <a:t>Leading global cloud, enterprise software, and AI provider (Azure, Copilot).</a:t>
                       </a:r>
                     </a:p>
@@ -8164,6 +8141,29 @@
                           <a:latin typeface="Arial"/>
                         </a:rPr>
                         <a:t>Broaden Azure AI suite and integrate advanced document/agent tech for enterprise clients.</a:t>
+                      </a:r>
+                    </a:p>
+                  </a:txBody>
+                  <a:tcPr marL="45720" marR="45720" marT="45720" marB="45720">
+                    <a:solidFill>
+                      <a:srgbClr val="F0F0F0"/>
+                    </a:solidFill>
+                  </a:tcPr>
+                </a:tc>
+                <a:tc>
+                  <a:txBody>
+                    <a:bodyPr wrap="square"/>
+                    <a:lstStyle/>
+                    <a:p>
+                      <a:pPr algn="l"/>
+                      <a:r>
+                        <a:rPr sz="1100">
+                          <a:solidFill>
+                            <a:srgbClr val="404040"/>
+                          </a:solidFill>
+                          <a:latin typeface="Arial"/>
+                        </a:rPr>
+                        <a:t>Cross-sell LlamaIndex with Azure, enhance Copilot and enterprise AI search.</a:t>
                       </a:r>
                     </a:p>
                   </a:txBody>
@@ -8234,29 +8234,6 @@
                           </a:solidFill>
                           <a:latin typeface="Arial"/>
                         </a:rPr>
-                        <a:t>N/A</a:t>
-                      </a:r>
-                    </a:p>
-                  </a:txBody>
-                  <a:tcPr marL="45720" marR="45720" marT="45720" marB="45720">
-                    <a:solidFill>
-                      <a:srgbClr val="FFFFFF"/>
-                    </a:solidFill>
-                  </a:tcPr>
-                </a:tc>
-                <a:tc>
-                  <a:txBody>
-                    <a:bodyPr wrap="square"/>
-                    <a:lstStyle/>
-                    <a:p>
-                      <a:pPr algn="l"/>
-                      <a:r>
-                        <a:rPr sz="1100">
-                          <a:solidFill>
-                            <a:srgbClr val="404040"/>
-                          </a:solidFill>
-                          <a:latin typeface="Arial"/>
-                        </a:rPr>
                         <a:t>Global leader in AI research, cloud, and enterprise platforms.</a:t>
                       </a:r>
                     </a:p>
@@ -8281,6 +8258,29 @@
                           <a:latin typeface="Arial"/>
                         </a:rPr>
                         <a:t>Strengthen Gemini/GCP AI ecosystem and enterprise knowledge search capabilities.</a:t>
+                      </a:r>
+                    </a:p>
+                  </a:txBody>
+                  <a:tcPr marL="45720" marR="45720" marT="45720" marB="45720">
+                    <a:solidFill>
+                      <a:srgbClr val="FFFFFF"/>
+                    </a:solidFill>
+                  </a:tcPr>
+                </a:tc>
+                <a:tc>
+                  <a:txBody>
+                    <a:bodyPr wrap="square"/>
+                    <a:lstStyle/>
+                    <a:p>
+                      <a:pPr algn="l"/>
+                      <a:r>
+                        <a:rPr sz="1100">
+                          <a:solidFill>
+                            <a:srgbClr val="404040"/>
+                          </a:solidFill>
+                          <a:latin typeface="Arial"/>
+                        </a:rPr>
+                        <a:t>Integrate LlamaIndex into Google Cloud, drive RAG/agent innovation.</a:t>
                       </a:r>
                     </a:p>
                   </a:txBody>
@@ -8351,29 +8351,6 @@
                           </a:solidFill>
                           <a:latin typeface="Arial"/>
                         </a:rPr>
-                        <a:t>N/A</a:t>
-                      </a:r>
-                    </a:p>
-                  </a:txBody>
-                  <a:tcPr marL="45720" marR="45720" marT="45720" marB="45720">
-                    <a:solidFill>
-                      <a:srgbClr val="F0F0F0"/>
-                    </a:solidFill>
-                  </a:tcPr>
-                </a:tc>
-                <a:tc>
-                  <a:txBody>
-                    <a:bodyPr wrap="square"/>
-                    <a:lstStyle/>
-                    <a:p>
-                      <a:pPr algn="l"/>
-                      <a:r>
-                        <a:rPr sz="1100">
-                          <a:solidFill>
-                            <a:srgbClr val="404040"/>
-                          </a:solidFill>
-                          <a:latin typeface="Arial"/>
-                        </a:rPr>
                         <a:t>Abu Dhabi-based conglomerate in AI, healthcare, real estate, and agri.</a:t>
                       </a:r>
                     </a:p>
@@ -8420,6 +8397,29 @@
                           </a:solidFill>
                           <a:latin typeface="Arial"/>
                         </a:rPr>
+                        <a:t>Expand LlamaIndex in MENA and global portfolio companies.</a:t>
+                      </a:r>
+                    </a:p>
+                  </a:txBody>
+                  <a:tcPr marL="45720" marR="45720" marT="45720" marB="45720">
+                    <a:solidFill>
+                      <a:srgbClr val="F0F0F0"/>
+                    </a:solidFill>
+                  </a:tcPr>
+                </a:tc>
+                <a:tc>
+                  <a:txBody>
+                    <a:bodyPr wrap="square"/>
+                    <a:lstStyle/>
+                    <a:p>
+                      <a:pPr algn="l"/>
+                      <a:r>
+                        <a:rPr sz="1100">
+                          <a:solidFill>
+                            <a:srgbClr val="404040"/>
+                          </a:solidFill>
+                          <a:latin typeface="Arial"/>
+                        </a:rPr>
                         <a:t>Medium (7/10) - New tech diversification</a:t>
                       </a:r>
                     </a:p>
@@ -8502,7 +8502,7 @@
               </a:defRPr>
             </a:pPr>
             <a:r>
-              <a:t>LlamaIndex</a:t>
+              <a:t>Moelis</a:t>
             </a:r>
           </a:p>
         </p:txBody>
@@ -8782,29 +8782,6 @@
                           </a:solidFill>
                           <a:latin typeface="Arial"/>
                         </a:rPr>
-                        <a:t>N/A</a:t>
-                      </a:r>
-                    </a:p>
-                  </a:txBody>
-                  <a:tcPr marL="45720" marR="45720" marT="45720" marB="45720">
-                    <a:solidFill>
-                      <a:srgbClr val="FFFFFF"/>
-                    </a:solidFill>
-                  </a:tcPr>
-                </a:tc>
-                <a:tc>
-                  <a:txBody>
-                    <a:bodyPr wrap="square"/>
-                    <a:lstStyle/>
-                    <a:p>
-                      <a:pPr algn="l"/>
-                      <a:r>
-                        <a:rPr sz="1100">
-                          <a:solidFill>
-                            <a:srgbClr val="404040"/>
-                          </a:solidFill>
-                          <a:latin typeface="Arial"/>
-                        </a:rPr>
                         <a:t>Top global VC with deep SaaS/AI portfolio.</a:t>
                       </a:r>
                     </a:p>
@@ -8829,6 +8806,29 @@
                           <a:latin typeface="Arial"/>
                         </a:rPr>
                         <a:t>Invest in next-gen AI infra platforms with high ARR growth and global enterprise adoption.</a:t>
+                      </a:r>
+                    </a:p>
+                  </a:txBody>
+                  <a:tcPr marL="45720" marR="45720" marT="45720" marB="45720">
+                    <a:solidFill>
+                      <a:srgbClr val="FFFFFF"/>
+                    </a:solidFill>
+                  </a:tcPr>
+                </a:tc>
+                <a:tc>
+                  <a:txBody>
+                    <a:bodyPr wrap="square"/>
+                    <a:lstStyle/>
+                    <a:p>
+                      <a:pPr algn="l"/>
+                      <a:r>
+                        <a:rPr sz="1100">
+                          <a:solidFill>
+                            <a:srgbClr val="404040"/>
+                          </a:solidFill>
+                          <a:latin typeface="Arial"/>
+                        </a:rPr>
+                        <a:t>Accelerate go-to-market, leverage Sequoia's AI expertise.</a:t>
                       </a:r>
                     </a:p>
                   </a:txBody>
@@ -8899,29 +8899,6 @@
                           </a:solidFill>
                           <a:latin typeface="Arial"/>
                         </a:rPr>
-                        <a:t>N/A</a:t>
-                      </a:r>
-                    </a:p>
-                  </a:txBody>
-                  <a:tcPr marL="45720" marR="45720" marT="45720" marB="45720">
-                    <a:solidFill>
-                      <a:srgbClr val="F0F0F0"/>
-                    </a:solidFill>
-                  </a:tcPr>
-                </a:tc>
-                <a:tc>
-                  <a:txBody>
-                    <a:bodyPr wrap="square"/>
-                    <a:lstStyle/>
-                    <a:p>
-                      <a:pPr algn="l"/>
-                      <a:r>
-                        <a:rPr sz="1100">
-                          <a:solidFill>
-                            <a:srgbClr val="404040"/>
-                          </a:solidFill>
-                          <a:latin typeface="Arial"/>
-                        </a:rPr>
                         <a:t>Leading VC with strong AI and developer tool focus.</a:t>
                       </a:r>
                     </a:p>
@@ -8946,6 +8923,29 @@
                           <a:latin typeface="Arial"/>
                         </a:rPr>
                         <a:t>Back high-growth, open-source AI platforms shaping data-centric enterprise AI.</a:t>
+                      </a:r>
+                    </a:p>
+                  </a:txBody>
+                  <a:tcPr marL="45720" marR="45720" marT="45720" marB="45720">
+                    <a:solidFill>
+                      <a:srgbClr val="F0F0F0"/>
+                    </a:solidFill>
+                  </a:tcPr>
+                </a:tc>
+                <a:tc>
+                  <a:txBody>
+                    <a:bodyPr wrap="square"/>
+                    <a:lstStyle/>
+                    <a:p>
+                      <a:pPr algn="l"/>
+                      <a:r>
+                        <a:rPr sz="1100">
+                          <a:solidFill>
+                            <a:srgbClr val="404040"/>
+                          </a:solidFill>
+                          <a:latin typeface="Arial"/>
+                        </a:rPr>
+                        <a:t>Support ecosystem expansion and future funding.</a:t>
                       </a:r>
                     </a:p>
                   </a:txBody>
@@ -9016,29 +9016,6 @@
                           </a:solidFill>
                           <a:latin typeface="Arial"/>
                         </a:rPr>
-                        <a:t>N/A</a:t>
-                      </a:r>
-                    </a:p>
-                  </a:txBody>
-                  <a:tcPr marL="45720" marR="45720" marT="45720" marB="45720">
-                    <a:solidFill>
-                      <a:srgbClr val="FFFFFF"/>
-                    </a:solidFill>
-                  </a:tcPr>
-                </a:tc>
-                <a:tc>
-                  <a:txBody>
-                    <a:bodyPr wrap="square"/>
-                    <a:lstStyle/>
-                    <a:p>
-                      <a:pPr algn="l"/>
-                      <a:r>
-                        <a:rPr sz="1100">
-                          <a:solidFill>
-                            <a:srgbClr val="404040"/>
-                          </a:solidFill>
-                          <a:latin typeface="Arial"/>
-                        </a:rPr>
                         <a:t>Global tech investor in AI, cloud, and infrastructure.</a:t>
                       </a:r>
                     </a:p>
@@ -9063,6 +9040,29 @@
                           <a:latin typeface="Arial"/>
                         </a:rPr>
                         <a:t>Invest in differentiated AI infrastructure for next-gen enterprise digital transformation.</a:t>
+                      </a:r>
+                    </a:p>
+                  </a:txBody>
+                  <a:tcPr marL="45720" marR="45720" marT="45720" marB="45720">
+                    <a:solidFill>
+                      <a:srgbClr val="FFFFFF"/>
+                    </a:solidFill>
+                  </a:tcPr>
+                </a:tc>
+                <a:tc>
+                  <a:txBody>
+                    <a:bodyPr wrap="square"/>
+                    <a:lstStyle/>
+                    <a:p>
+                      <a:pPr algn="l"/>
+                      <a:r>
+                        <a:rPr sz="1100">
+                          <a:solidFill>
+                            <a:srgbClr val="404040"/>
+                          </a:solidFill>
+                          <a:latin typeface="Arial"/>
+                        </a:rPr>
+                        <a:t>Global expansion and enterprise client access.</a:t>
                       </a:r>
                     </a:p>
                   </a:txBody>
@@ -9133,29 +9133,6 @@
                           </a:solidFill>
                           <a:latin typeface="Arial"/>
                         </a:rPr>
-                        <a:t>N/A</a:t>
-                      </a:r>
-                    </a:p>
-                  </a:txBody>
-                  <a:tcPr marL="45720" marR="45720" marT="45720" marB="45720">
-                    <a:solidFill>
-                      <a:srgbClr val="F0F0F0"/>
-                    </a:solidFill>
-                  </a:tcPr>
-                </a:tc>
-                <a:tc>
-                  <a:txBody>
-                    <a:bodyPr wrap="square"/>
-                    <a:lstStyle/>
-                    <a:p>
-                      <a:pPr algn="l"/>
-                      <a:r>
-                        <a:rPr sz="1100">
-                          <a:solidFill>
-                            <a:srgbClr val="404040"/>
-                          </a:solidFill>
-                          <a:latin typeface="Arial"/>
-                        </a:rPr>
                         <a:t>Venture fund with focus on deep tech and AI.</a:t>
                       </a:r>
                     </a:p>
@@ -9202,6 +9179,29 @@
                           </a:solidFill>
                           <a:latin typeface="Arial"/>
                         </a:rPr>
+                        <a:t>Technical expertise and founder support.</a:t>
+                      </a:r>
+                    </a:p>
+                  </a:txBody>
+                  <a:tcPr marL="45720" marR="45720" marT="45720" marB="45720">
+                    <a:solidFill>
+                      <a:srgbClr val="F0F0F0"/>
+                    </a:solidFill>
+                  </a:tcPr>
+                </a:tc>
+                <a:tc>
+                  <a:txBody>
+                    <a:bodyPr wrap="square"/>
+                    <a:lstStyle/>
+                    <a:p>
+                      <a:pPr algn="l"/>
+                      <a:r>
+                        <a:rPr sz="1100">
+                          <a:solidFill>
+                            <a:srgbClr val="404040"/>
+                          </a:solidFill>
+                          <a:latin typeface="Arial"/>
+                        </a:rPr>
                         <a:t>Medium (7/10) - Deep tech focus</a:t>
                       </a:r>
                     </a:p>
@@ -9284,7 +9284,7 @@
               </a:defRPr>
             </a:pPr>
             <a:r>
-              <a:t>LlamaIndex</a:t>
+              <a:t>Moelis</a:t>
             </a:r>
           </a:p>
         </p:txBody>
@@ -11464,7 +11464,7 @@
               </a:defRPr>
             </a:pPr>
             <a:r>
-              <a:t>LlamaIndex</a:t>
+              <a:t>Moelis</a:t>
             </a:r>
           </a:p>
         </p:txBody>
@@ -11645,7 +11645,7 @@
         </p:nvSpPr>
         <p:spPr>
           <a:xfrm>
-            <a:off x="640080" y="1645920"/>
+            <a:off x="640080" y="1737360"/>
             <a:ext cx="274320" cy="274320"/>
           </a:xfrm>
           <a:prstGeom prst="ellipse">
@@ -11688,7 +11688,7 @@
         </p:nvSpPr>
         <p:spPr>
           <a:xfrm>
-            <a:off x="640080" y="1645920"/>
+            <a:off x="640080" y="1737360"/>
             <a:ext cx="274320" cy="274320"/>
           </a:xfrm>
           <a:prstGeom prst="rect">
@@ -11724,8 +11724,8 @@
         </p:nvSpPr>
         <p:spPr>
           <a:xfrm>
-            <a:off x="1005840" y="1485900"/>
-            <a:ext cx="4754880" cy="594360"/>
+            <a:off x="1005840" y="1554480"/>
+            <a:ext cx="4754880" cy="731520"/>
           </a:xfrm>
           <a:prstGeom prst="rect">
             <a:avLst/>
@@ -11760,7 +11760,7 @@
         </p:nvSpPr>
         <p:spPr>
           <a:xfrm>
-            <a:off x="6126480" y="1645920"/>
+            <a:off x="6126480" y="1737360"/>
             <a:ext cx="274320" cy="274320"/>
           </a:xfrm>
           <a:prstGeom prst="ellipse">
@@ -11803,7 +11803,7 @@
         </p:nvSpPr>
         <p:spPr>
           <a:xfrm>
-            <a:off x="6126480" y="1645920"/>
+            <a:off x="6126480" y="1737360"/>
             <a:ext cx="274320" cy="274320"/>
           </a:xfrm>
           <a:prstGeom prst="rect">
@@ -11839,8 +11839,8 @@
         </p:nvSpPr>
         <p:spPr>
           <a:xfrm>
-            <a:off x="6492240" y="1485900"/>
-            <a:ext cx="5212080" cy="594360"/>
+            <a:off x="6492240" y="1554480"/>
+            <a:ext cx="5212080" cy="731520"/>
           </a:xfrm>
           <a:prstGeom prst="rect">
             <a:avLst/>
@@ -11875,7 +11875,7 @@
         </p:nvSpPr>
         <p:spPr>
           <a:xfrm>
-            <a:off x="640080" y="2331720"/>
+            <a:off x="640080" y="2743200"/>
             <a:ext cx="274320" cy="274320"/>
           </a:xfrm>
           <a:prstGeom prst="ellipse">
@@ -11918,7 +11918,7 @@
         </p:nvSpPr>
         <p:spPr>
           <a:xfrm>
-            <a:off x="640080" y="2331720"/>
+            <a:off x="640080" y="2743200"/>
             <a:ext cx="274320" cy="274320"/>
           </a:xfrm>
           <a:prstGeom prst="rect">
@@ -11954,8 +11954,8 @@
         </p:nvSpPr>
         <p:spPr>
           <a:xfrm>
-            <a:off x="1005840" y="2171700"/>
-            <a:ext cx="4754880" cy="594360"/>
+            <a:off x="1005840" y="2560320"/>
+            <a:ext cx="4754880" cy="731520"/>
           </a:xfrm>
           <a:prstGeom prst="rect">
             <a:avLst/>
@@ -11990,7 +11990,7 @@
         </p:nvSpPr>
         <p:spPr>
           <a:xfrm>
-            <a:off x="6126480" y="2331720"/>
+            <a:off x="6126480" y="2743200"/>
             <a:ext cx="274320" cy="274320"/>
           </a:xfrm>
           <a:prstGeom prst="ellipse">
@@ -12033,7 +12033,7 @@
         </p:nvSpPr>
         <p:spPr>
           <a:xfrm>
-            <a:off x="6126480" y="2331720"/>
+            <a:off x="6126480" y="2743200"/>
             <a:ext cx="274320" cy="274320"/>
           </a:xfrm>
           <a:prstGeom prst="rect">
@@ -12069,8 +12069,8 @@
         </p:nvSpPr>
         <p:spPr>
           <a:xfrm>
-            <a:off x="6492240" y="2171700"/>
-            <a:ext cx="5212080" cy="594360"/>
+            <a:off x="6492240" y="2560320"/>
+            <a:ext cx="5212080" cy="731520"/>
           </a:xfrm>
           <a:prstGeom prst="rect">
             <a:avLst/>
@@ -12105,7 +12105,7 @@
         </p:nvSpPr>
         <p:spPr>
           <a:xfrm>
-            <a:off x="640080" y="3017520"/>
+            <a:off x="640080" y="3749039"/>
             <a:ext cx="274320" cy="274320"/>
           </a:xfrm>
           <a:prstGeom prst="ellipse">
@@ -12148,7 +12148,7 @@
         </p:nvSpPr>
         <p:spPr>
           <a:xfrm>
-            <a:off x="640080" y="3017520"/>
+            <a:off x="640080" y="3749039"/>
             <a:ext cx="274320" cy="274320"/>
           </a:xfrm>
           <a:prstGeom prst="rect">
@@ -12184,8 +12184,8 @@
         </p:nvSpPr>
         <p:spPr>
           <a:xfrm>
-            <a:off x="1005840" y="2857500"/>
-            <a:ext cx="4754880" cy="594360"/>
+            <a:off x="1005840" y="3566159"/>
+            <a:ext cx="4754880" cy="731520"/>
           </a:xfrm>
           <a:prstGeom prst="rect">
             <a:avLst/>
@@ -12220,7 +12220,7 @@
         </p:nvSpPr>
         <p:spPr>
           <a:xfrm>
-            <a:off x="6126480" y="3017520"/>
+            <a:off x="6126480" y="3749039"/>
             <a:ext cx="274320" cy="274320"/>
           </a:xfrm>
           <a:prstGeom prst="ellipse">
@@ -12263,7 +12263,7 @@
         </p:nvSpPr>
         <p:spPr>
           <a:xfrm>
-            <a:off x="6126480" y="3017520"/>
+            <a:off x="6126480" y="3749039"/>
             <a:ext cx="274320" cy="274320"/>
           </a:xfrm>
           <a:prstGeom prst="rect">
@@ -12299,8 +12299,8 @@
         </p:nvSpPr>
         <p:spPr>
           <a:xfrm>
-            <a:off x="6492240" y="2857500"/>
-            <a:ext cx="5212080" cy="594360"/>
+            <a:off x="6492240" y="3566159"/>
+            <a:ext cx="5212080" cy="731520"/>
           </a:xfrm>
           <a:prstGeom prst="rect">
             <a:avLst/>
@@ -12335,7 +12335,7 @@
         </p:nvSpPr>
         <p:spPr>
           <a:xfrm>
-            <a:off x="640080" y="3703320"/>
+            <a:off x="640080" y="4754880"/>
             <a:ext cx="274320" cy="274320"/>
           </a:xfrm>
           <a:prstGeom prst="ellipse">
@@ -12378,7 +12378,7 @@
         </p:nvSpPr>
         <p:spPr>
           <a:xfrm>
-            <a:off x="640080" y="3703320"/>
+            <a:off x="640080" y="4754880"/>
             <a:ext cx="274320" cy="274320"/>
           </a:xfrm>
           <a:prstGeom prst="rect">
@@ -12414,8 +12414,8 @@
         </p:nvSpPr>
         <p:spPr>
           <a:xfrm>
-            <a:off x="1005840" y="3543300"/>
-            <a:ext cx="4754880" cy="594360"/>
+            <a:off x="1005840" y="4572000"/>
+            <a:ext cx="4754880" cy="731520"/>
           </a:xfrm>
           <a:prstGeom prst="rect">
             <a:avLst/>
@@ -12450,7 +12450,7 @@
         </p:nvSpPr>
         <p:spPr>
           <a:xfrm>
-            <a:off x="6126480" y="3703320"/>
+            <a:off x="6126480" y="4754880"/>
             <a:ext cx="274320" cy="274320"/>
           </a:xfrm>
           <a:prstGeom prst="ellipse">
@@ -12493,7 +12493,7 @@
         </p:nvSpPr>
         <p:spPr>
           <a:xfrm>
-            <a:off x="6126480" y="3703320"/>
+            <a:off x="6126480" y="4754880"/>
             <a:ext cx="274320" cy="274320"/>
           </a:xfrm>
           <a:prstGeom prst="rect">
@@ -12529,8 +12529,8 @@
         </p:nvSpPr>
         <p:spPr>
           <a:xfrm>
-            <a:off x="6492240" y="3543300"/>
-            <a:ext cx="5212080" cy="594360"/>
+            <a:off x="6492240" y="4572000"/>
+            <a:ext cx="5212080" cy="731520"/>
           </a:xfrm>
           <a:prstGeom prst="rect">
             <a:avLst/>
@@ -12624,7 +12624,7 @@
               </a:defRPr>
             </a:pPr>
             <a:r>
-              <a:t>LlamaIndex</a:t>
+              <a:t>Moelis</a:t>
             </a:r>
           </a:p>
         </p:txBody>
@@ -13909,7 +13909,7 @@
                 </a:solidFill>
                 <a:latin typeface="Arial"/>
               </a:rPr>
-              <a:t>3</a:t>
+              <a:t>3M</a:t>
             </a:r>
           </a:p>
         </p:txBody>
@@ -13987,7 +13987,7 @@
                 </a:solidFill>
                 <a:latin typeface="Arial"/>
               </a:rPr>
-              <a:t>150</a:t>
+              <a:t>150M</a:t>
             </a:r>
           </a:p>
         </p:txBody>
@@ -14143,7 +14143,7 @@
                 </a:solidFill>
                 <a:latin typeface="Arial"/>
               </a:rPr>
-              <a:t>10000</a:t>
+              <a:t>10,000</a:t>
             </a:r>
           </a:p>
         </p:txBody>
@@ -14215,7 +14215,7 @@
               </a:defRPr>
             </a:pPr>
             <a:r>
-              <a:t>LlamaIndex</a:t>
+              <a:t>Moelis</a:t>
             </a:r>
           </a:p>
         </p:txBody>
@@ -15571,7 +15571,7 @@
                 </a:solidFill>
                 <a:latin typeface="Arial"/>
               </a:rPr>
-              <a:t>LlamaIndex Investment Opportunity    6</a:t>
+              <a:t>Moelis Investment Opportunity    6</a:t>
             </a:r>
           </a:p>
         </p:txBody>
@@ -16639,7 +16639,7 @@
               </a:defRPr>
             </a:pPr>
             <a:r>
-              <a:t>LlamaIndex</a:t>
+              <a:t>Your Company</a:t>
             </a:r>
           </a:p>
         </p:txBody>
@@ -17888,7 +17888,7 @@
               </a:defRPr>
             </a:pPr>
             <a:r>
-              <a:t>LlamaIndex</a:t>
+              <a:t>Moelis</a:t>
             </a:r>
           </a:p>
         </p:txBody>
@@ -19616,7 +19616,7 @@
               </a:defRPr>
             </a:pPr>
             <a:r>
-              <a:t>LlamaIndex</a:t>
+              <a:t>Moelis</a:t>
             </a:r>
           </a:p>
         </p:txBody>
@@ -20317,7 +20317,7 @@
               </a:defRPr>
             </a:pPr>
             <a:r>
-              <a:t>LlamaIndex</a:t>
+              <a:t>Moelis</a:t>
             </a:r>
           </a:p>
         </p:txBody>
@@ -20462,8 +20462,8 @@
         </p:nvSpPr>
         <p:spPr>
           <a:xfrm>
-            <a:off x="1645920" y="-17099280"/>
-            <a:ext cx="1645920" cy="20574000"/>
+            <a:off x="1645920" y="2103120"/>
+            <a:ext cx="1645920" cy="1371600"/>
           </a:xfrm>
           <a:prstGeom prst="rect">
             <a:avLst/>
@@ -20505,7 +20505,7 @@
         </p:nvSpPr>
         <p:spPr>
           <a:xfrm>
-            <a:off x="1645920" y="-17327880"/>
+            <a:off x="1645920" y="1874520"/>
             <a:ext cx="1645920" cy="182880"/>
           </a:xfrm>
           <a:prstGeom prst="rect">
@@ -20571,8 +20571,8 @@
         </p:nvSpPr>
         <p:spPr>
           <a:xfrm>
-            <a:off x="3383280" y="-9281160"/>
-            <a:ext cx="1645920" cy="12755880"/>
+            <a:off x="3383280" y="2624328"/>
+            <a:ext cx="1645920" cy="850392"/>
           </a:xfrm>
           <a:prstGeom prst="rect">
             <a:avLst/>
@@ -20614,7 +20614,7 @@
         </p:nvSpPr>
         <p:spPr>
           <a:xfrm>
-            <a:off x="3383280" y="-9509760"/>
+            <a:off x="3383280" y="2395728"/>
             <a:ext cx="1645920" cy="182880"/>
           </a:xfrm>
           <a:prstGeom prst="rect">
@@ -20680,8 +20680,8 @@
         </p:nvSpPr>
         <p:spPr>
           <a:xfrm>
-            <a:off x="5120640" y="-8046720"/>
-            <a:ext cx="1645920" cy="11521440"/>
+            <a:off x="5120640" y="2706624"/>
+            <a:ext cx="1645920" cy="768096"/>
           </a:xfrm>
           <a:prstGeom prst="rect">
             <a:avLst/>
@@ -20723,7 +20723,7 @@
         </p:nvSpPr>
         <p:spPr>
           <a:xfrm>
-            <a:off x="5120640" y="-8275320"/>
+            <a:off x="5120640" y="2478024"/>
             <a:ext cx="1645920" cy="182880"/>
           </a:xfrm>
           <a:prstGeom prst="rect">
@@ -20789,8 +20789,8 @@
         </p:nvSpPr>
         <p:spPr>
           <a:xfrm>
-            <a:off x="6858000" y="-6812280"/>
-            <a:ext cx="1645920" cy="10287000"/>
+            <a:off x="6858000" y="2788920"/>
+            <a:ext cx="1645920" cy="685800"/>
           </a:xfrm>
           <a:prstGeom prst="rect">
             <a:avLst/>
@@ -20832,7 +20832,7 @@
         </p:nvSpPr>
         <p:spPr>
           <a:xfrm>
-            <a:off x="6858000" y="-7040880"/>
+            <a:off x="6858000" y="2560320"/>
             <a:ext cx="1645920" cy="182880"/>
           </a:xfrm>
           <a:prstGeom prst="rect">
@@ -20898,8 +20898,8 @@
         </p:nvSpPr>
         <p:spPr>
           <a:xfrm>
-            <a:off x="8595360" y="-4754880"/>
-            <a:ext cx="1645920" cy="8229600"/>
+            <a:off x="8595360" y="2926080"/>
+            <a:ext cx="1645920" cy="548640"/>
           </a:xfrm>
           <a:prstGeom prst="rect">
             <a:avLst/>
@@ -20941,7 +20941,7 @@
         </p:nvSpPr>
         <p:spPr>
           <a:xfrm>
-            <a:off x="8595360" y="-4983480"/>
+            <a:off x="8595360" y="2697480"/>
             <a:ext cx="1645920" cy="182880"/>
           </a:xfrm>
           <a:prstGeom prst="rect">
@@ -21009,7 +21009,7 @@
         </p:nvGraphicFramePr>
         <p:xfrm>
           <a:off x="365760" y="4389120"/>
-          <a:ext cx="1188720" cy="1920240"/>
+          <a:ext cx="1188720" cy="2048256"/>
         </p:xfrm>
         <a:graphic>
           <a:graphicData uri="http://schemas.openxmlformats.org/drawingml/2006/table">
@@ -21020,7 +21020,7 @@
               <a:tblGrid>
                 <a:gridCol w="1188720"/>
               </a:tblGrid>
-              <a:tr h="274320">
+              <a:tr h="292608">
                 <a:tc>
                   <a:txBody>
                     <a:bodyPr/>
@@ -21046,7 +21046,7 @@
                   </a:tcPr>
                 </a:tc>
               </a:tr>
-              <a:tr h="274320">
+              <a:tr h="292608">
                 <a:tc>
                   <a:txBody>
                     <a:bodyPr/>
@@ -21072,7 +21072,7 @@
                   </a:tcPr>
                 </a:tc>
               </a:tr>
-              <a:tr h="274320">
+              <a:tr h="292608">
                 <a:tc>
                   <a:txBody>
                     <a:bodyPr/>
@@ -21098,7 +21098,7 @@
                   </a:tcPr>
                 </a:tc>
               </a:tr>
-              <a:tr h="274320">
+              <a:tr h="292608">
                 <a:tc>
                   <a:txBody>
                     <a:bodyPr/>
@@ -21124,7 +21124,7 @@
                   </a:tcPr>
                 </a:tc>
               </a:tr>
-              <a:tr h="274320">
+              <a:tr h="292608">
                 <a:tc>
                   <a:txBody>
                     <a:bodyPr/>
@@ -21150,7 +21150,7 @@
                   </a:tcPr>
                 </a:tc>
               </a:tr>
-              <a:tr h="274320">
+              <a:tr h="292608">
                 <a:tc>
                   <a:txBody>
                     <a:bodyPr/>
@@ -21176,7 +21176,7 @@
                   </a:tcPr>
                 </a:tc>
               </a:tr>
-              <a:tr h="274320">
+              <a:tr h="292608">
                 <a:tc>
                   <a:txBody>
                     <a:bodyPr/>
@@ -21216,7 +21216,7 @@
         </p:nvGraphicFramePr>
         <p:xfrm>
           <a:off x="1600200" y="4389120"/>
-          <a:ext cx="8686800" cy="1920240"/>
+          <a:ext cx="8686800" cy="2048256"/>
         </p:xfrm>
         <a:graphic>
           <a:graphicData uri="http://schemas.openxmlformats.org/drawingml/2006/table">
@@ -21231,14 +21231,14 @@
                 <a:gridCol w="1737360"/>
                 <a:gridCol w="1737360"/>
               </a:tblGrid>
-              <a:tr h="274320">
+              <a:tr h="292608">
                 <a:tc>
                   <a:txBody>
                     <a:bodyPr/>
                     <a:lstStyle/>
                     <a:p>
                       <a:pPr algn="ctr">
-                        <a:defRPr sz="900">
+                        <a:defRPr sz="1000">
                           <a:solidFill>
                             <a:srgbClr val="404040"/>
                           </a:solidFill>
@@ -21250,7 +21250,7 @@
                       </a:r>
                     </a:p>
                   </a:txBody>
-                  <a:tcPr anchor="ctr">
+                  <a:tcPr anchor="ctr" marL="45720" marR="45720" marT="27432" marB="27432">
                     <a:solidFill>
                       <a:srgbClr val="FFFFFF"/>
                     </a:solidFill>
@@ -21262,7 +21262,7 @@
                     <a:lstStyle/>
                     <a:p>
                       <a:pPr algn="ctr">
-                        <a:defRPr sz="900">
+                        <a:defRPr sz="1000">
                           <a:solidFill>
                             <a:srgbClr val="404040"/>
                           </a:solidFill>
@@ -21274,7 +21274,7 @@
                       </a:r>
                     </a:p>
                   </a:txBody>
-                  <a:tcPr anchor="ctr">
+                  <a:tcPr anchor="ctr" marL="45720" marR="45720" marT="27432" marB="27432">
                     <a:solidFill>
                       <a:srgbClr val="FFFFFF"/>
                     </a:solidFill>
@@ -21286,7 +21286,7 @@
                     <a:lstStyle/>
                     <a:p>
                       <a:pPr algn="ctr">
-                        <a:defRPr sz="900">
+                        <a:defRPr sz="1000">
                           <a:solidFill>
                             <a:srgbClr val="404040"/>
                           </a:solidFill>
@@ -21298,7 +21298,7 @@
                       </a:r>
                     </a:p>
                   </a:txBody>
-                  <a:tcPr anchor="ctr">
+                  <a:tcPr anchor="ctr" marL="45720" marR="45720" marT="27432" marB="27432">
                     <a:solidFill>
                       <a:srgbClr val="FFFFFF"/>
                     </a:solidFill>
@@ -21310,7 +21310,7 @@
                     <a:lstStyle/>
                     <a:p>
                       <a:pPr algn="ctr">
-                        <a:defRPr sz="900">
+                        <a:defRPr sz="1000">
                           <a:solidFill>
                             <a:srgbClr val="404040"/>
                           </a:solidFill>
@@ -21322,7 +21322,7 @@
                       </a:r>
                     </a:p>
                   </a:txBody>
-                  <a:tcPr anchor="ctr">
+                  <a:tcPr anchor="ctr" marL="45720" marR="45720" marT="27432" marB="27432">
                     <a:solidFill>
                       <a:srgbClr val="FFFFFF"/>
                     </a:solidFill>
@@ -21334,7 +21334,7 @@
                     <a:lstStyle/>
                     <a:p>
                       <a:pPr algn="ctr">
-                        <a:defRPr sz="900">
+                        <a:defRPr sz="1000">
                           <a:solidFill>
                             <a:srgbClr val="404040"/>
                           </a:solidFill>
@@ -21346,21 +21346,21 @@
                       </a:r>
                     </a:p>
                   </a:txBody>
-                  <a:tcPr anchor="ctr">
+                  <a:tcPr anchor="ctr" marL="45720" marR="45720" marT="27432" marB="27432">
                     <a:solidFill>
                       <a:srgbClr val="FFFFFF"/>
                     </a:solidFill>
                   </a:tcPr>
                 </a:tc>
               </a:tr>
-              <a:tr h="274320">
+              <a:tr h="292608">
                 <a:tc>
                   <a:txBody>
                     <a:bodyPr/>
                     <a:lstStyle/>
                     <a:p>
                       <a:pPr algn="ctr">
-                        <a:defRPr sz="900">
+                        <a:defRPr sz="1000">
                           <a:solidFill>
                             <a:srgbClr val="404040"/>
                           </a:solidFill>
@@ -21372,7 +21372,7 @@
                       </a:r>
                     </a:p>
                   </a:txBody>
-                  <a:tcPr anchor="ctr">
+                  <a:tcPr anchor="ctr" marL="45720" marR="45720" marT="27432" marB="27432">
                     <a:solidFill>
                       <a:srgbClr val="FFFFFF"/>
                     </a:solidFill>
@@ -21384,7 +21384,7 @@
                     <a:lstStyle/>
                     <a:p>
                       <a:pPr algn="ctr">
-                        <a:defRPr sz="900">
+                        <a:defRPr sz="1000">
                           <a:solidFill>
                             <a:srgbClr val="404040"/>
                           </a:solidFill>
@@ -21396,7 +21396,7 @@
                       </a:r>
                     </a:p>
                   </a:txBody>
-                  <a:tcPr anchor="ctr">
+                  <a:tcPr anchor="ctr" marL="45720" marR="45720" marT="27432" marB="27432">
                     <a:solidFill>
                       <a:srgbClr val="FFFFFF"/>
                     </a:solidFill>
@@ -21408,7 +21408,7 @@
                     <a:lstStyle/>
                     <a:p>
                       <a:pPr algn="ctr">
-                        <a:defRPr sz="900">
+                        <a:defRPr sz="1000">
                           <a:solidFill>
                             <a:srgbClr val="404040"/>
                           </a:solidFill>
@@ -21420,7 +21420,7 @@
                       </a:r>
                     </a:p>
                   </a:txBody>
-                  <a:tcPr anchor="ctr">
+                  <a:tcPr anchor="ctr" marL="45720" marR="45720" marT="27432" marB="27432">
                     <a:solidFill>
                       <a:srgbClr val="FFFFFF"/>
                     </a:solidFill>
@@ -21432,7 +21432,7 @@
                     <a:lstStyle/>
                     <a:p>
                       <a:pPr algn="ctr">
-                        <a:defRPr sz="900">
+                        <a:defRPr sz="1000">
                           <a:solidFill>
                             <a:srgbClr val="404040"/>
                           </a:solidFill>
@@ -21444,7 +21444,7 @@
                       </a:r>
                     </a:p>
                   </a:txBody>
-                  <a:tcPr anchor="ctr">
+                  <a:tcPr anchor="ctr" marL="45720" marR="45720" marT="27432" marB="27432">
                     <a:solidFill>
                       <a:srgbClr val="FFFFFF"/>
                     </a:solidFill>
@@ -21456,7 +21456,7 @@
                     <a:lstStyle/>
                     <a:p>
                       <a:pPr algn="ctr">
-                        <a:defRPr sz="900">
+                        <a:defRPr sz="1000">
                           <a:solidFill>
                             <a:srgbClr val="404040"/>
                           </a:solidFill>
@@ -21468,21 +21468,21 @@
                       </a:r>
                     </a:p>
                   </a:txBody>
-                  <a:tcPr anchor="ctr">
+                  <a:tcPr anchor="ctr" marL="45720" marR="45720" marT="27432" marB="27432">
                     <a:solidFill>
                       <a:srgbClr val="FFFFFF"/>
                     </a:solidFill>
                   </a:tcPr>
                 </a:tc>
               </a:tr>
-              <a:tr h="274320">
+              <a:tr h="292608">
                 <a:tc>
                   <a:txBody>
                     <a:bodyPr/>
                     <a:lstStyle/>
                     <a:p>
                       <a:pPr algn="ctr">
-                        <a:defRPr sz="900">
+                        <a:defRPr sz="1000">
                           <a:solidFill>
                             <a:srgbClr val="404040"/>
                           </a:solidFill>
@@ -21490,11 +21490,11 @@
                         </a:defRPr>
                       </a:pPr>
                       <a:r>
-                        <a:t>Salesforce Vent...</a:t>
+                        <a:t>Salesforce...</a:t>
                       </a:r>
                     </a:p>
                   </a:txBody>
-                  <a:tcPr anchor="ctr">
+                  <a:tcPr anchor="ctr" marL="45720" marR="45720" marT="27432" marB="27432">
                     <a:solidFill>
                       <a:srgbClr val="FFFFFF"/>
                     </a:solidFill>
@@ -21506,7 +21506,7 @@
                     <a:lstStyle/>
                     <a:p>
                       <a:pPr algn="ctr">
-                        <a:defRPr sz="900">
+                        <a:defRPr sz="1000">
                           <a:solidFill>
                             <a:srgbClr val="404040"/>
                           </a:solidFill>
@@ -21514,11 +21514,11 @@
                         </a:defRPr>
                       </a:pPr>
                       <a:r>
-                        <a:t>General Catalys...</a:t>
+                        <a:t>General Catalyst</a:t>
                       </a:r>
                     </a:p>
                   </a:txBody>
-                  <a:tcPr anchor="ctr">
+                  <a:tcPr anchor="ctr" marL="45720" marR="45720" marT="27432" marB="27432">
                     <a:solidFill>
                       <a:srgbClr val="FFFFFF"/>
                     </a:solidFill>
@@ -21530,7 +21530,7 @@
                     <a:lstStyle/>
                     <a:p>
                       <a:pPr algn="ctr">
-                        <a:defRPr sz="900">
+                        <a:defRPr sz="1000">
                           <a:solidFill>
                             <a:srgbClr val="404040"/>
                           </a:solidFill>
@@ -21542,7 +21542,7 @@
                       </a:r>
                     </a:p>
                   </a:txBody>
-                  <a:tcPr anchor="ctr">
+                  <a:tcPr anchor="ctr" marL="45720" marR="45720" marT="27432" marB="27432">
                     <a:solidFill>
                       <a:srgbClr val="FFFFFF"/>
                     </a:solidFill>
@@ -21554,7 +21554,7 @@
                     <a:lstStyle/>
                     <a:p>
                       <a:pPr algn="ctr">
-                        <a:defRPr sz="900">
+                        <a:defRPr sz="1000">
                           <a:solidFill>
                             <a:srgbClr val="404040"/>
                           </a:solidFill>
@@ -21562,11 +21562,11 @@
                         </a:defRPr>
                       </a:pPr>
                       <a:r>
-                        <a:t>Andreessen Horo...</a:t>
+                        <a:t>Andreessen...</a:t>
                       </a:r>
                     </a:p>
                   </a:txBody>
-                  <a:tcPr anchor="ctr">
+                  <a:tcPr anchor="ctr" marL="45720" marR="45720" marT="27432" marB="27432">
                     <a:solidFill>
                       <a:srgbClr val="FFFFFF"/>
                     </a:solidFill>
@@ -21578,7 +21578,7 @@
                     <a:lstStyle/>
                     <a:p>
                       <a:pPr algn="ctr">
-                        <a:defRPr sz="900">
+                        <a:defRPr sz="1000">
                           <a:solidFill>
                             <a:srgbClr val="404040"/>
                           </a:solidFill>
@@ -21590,21 +21590,21 @@
                       </a:r>
                     </a:p>
                   </a:txBody>
-                  <a:tcPr anchor="ctr">
+                  <a:tcPr anchor="ctr" marL="45720" marR="45720" marT="27432" marB="27432">
                     <a:solidFill>
                       <a:srgbClr val="FFFFFF"/>
                     </a:solidFill>
                   </a:tcPr>
                 </a:tc>
               </a:tr>
-              <a:tr h="274320">
+              <a:tr h="292608">
                 <a:tc>
                   <a:txBody>
                     <a:bodyPr/>
                     <a:lstStyle/>
                     <a:p>
                       <a:pPr algn="ctr">
-                        <a:defRPr sz="900">
+                        <a:defRPr sz="1000">
                           <a:solidFill>
                             <a:srgbClr val="404040"/>
                           </a:solidFill>
@@ -21616,7 +21616,7 @@
                       </a:r>
                     </a:p>
                   </a:txBody>
-                  <a:tcPr anchor="ctr">
+                  <a:tcPr anchor="ctr" marL="45720" marR="45720" marT="27432" marB="27432">
                     <a:solidFill>
                       <a:srgbClr val="FFFFFF"/>
                     </a:solidFill>
@@ -21628,7 +21628,7 @@
                     <a:lstStyle/>
                     <a:p>
                       <a:pPr algn="ctr">
-                        <a:defRPr sz="900">
+                        <a:defRPr sz="1000">
                           <a:solidFill>
                             <a:srgbClr val="404040"/>
                           </a:solidFill>
@@ -21640,7 +21640,7 @@
                       </a:r>
                     </a:p>
                   </a:txBody>
-                  <a:tcPr anchor="ctr">
+                  <a:tcPr anchor="ctr" marL="45720" marR="45720" marT="27432" marB="27432">
                     <a:solidFill>
                       <a:srgbClr val="FFFFFF"/>
                     </a:solidFill>
@@ -21652,7 +21652,7 @@
                     <a:lstStyle/>
                     <a:p>
                       <a:pPr algn="ctr">
-                        <a:defRPr sz="900">
+                        <a:defRPr sz="1000">
                           <a:solidFill>
                             <a:srgbClr val="404040"/>
                           </a:solidFill>
@@ -21664,7 +21664,7 @@
                       </a:r>
                     </a:p>
                   </a:txBody>
-                  <a:tcPr anchor="ctr">
+                  <a:tcPr anchor="ctr" marL="45720" marR="45720" marT="27432" marB="27432">
                     <a:solidFill>
                       <a:srgbClr val="FFFFFF"/>
                     </a:solidFill>
@@ -21676,7 +21676,7 @@
                     <a:lstStyle/>
                     <a:p>
                       <a:pPr algn="ctr">
-                        <a:defRPr sz="900">
+                        <a:defRPr sz="1000">
                           <a:solidFill>
                             <a:srgbClr val="404040"/>
                           </a:solidFill>
@@ -21688,7 +21688,7 @@
                       </a:r>
                     </a:p>
                   </a:txBody>
-                  <a:tcPr anchor="ctr">
+                  <a:tcPr anchor="ctr" marL="45720" marR="45720" marT="27432" marB="27432">
                     <a:solidFill>
                       <a:srgbClr val="FFFFFF"/>
                     </a:solidFill>
@@ -21700,7 +21700,7 @@
                     <a:lstStyle/>
                     <a:p>
                       <a:pPr algn="ctr">
-                        <a:defRPr sz="900">
+                        <a:defRPr sz="1000">
                           <a:solidFill>
                             <a:srgbClr val="404040"/>
                           </a:solidFill>
@@ -21712,21 +21712,21 @@
                       </a:r>
                     </a:p>
                   </a:txBody>
-                  <a:tcPr anchor="ctr">
+                  <a:tcPr anchor="ctr" marL="45720" marR="45720" marT="27432" marB="27432">
                     <a:solidFill>
                       <a:srgbClr val="FFFFFF"/>
                     </a:solidFill>
                   </a:tcPr>
                 </a:tc>
               </a:tr>
-              <a:tr h="274320">
+              <a:tr h="292608">
                 <a:tc>
                   <a:txBody>
                     <a:bodyPr/>
                     <a:lstStyle/>
                     <a:p>
                       <a:pPr algn="ctr">
-                        <a:defRPr sz="900">
+                        <a:defRPr sz="1000">
                           <a:solidFill>
                             <a:srgbClr val="404040"/>
                           </a:solidFill>
@@ -21734,11 +21734,11 @@
                         </a:defRPr>
                       </a:pPr>
                       <a:r>
-                        <a:t>$10,000,000,000</a:t>
+                        <a:t>$10B</a:t>
                       </a:r>
                     </a:p>
                   </a:txBody>
-                  <a:tcPr anchor="ctr">
+                  <a:tcPr anchor="ctr" marL="45720" marR="45720" marT="27432" marB="27432">
                     <a:solidFill>
                       <a:srgbClr val="FFFFFF"/>
                     </a:solidFill>
@@ -21750,7 +21750,7 @@
                     <a:lstStyle/>
                     <a:p>
                       <a:pPr algn="ctr">
-                        <a:defRPr sz="900">
+                        <a:defRPr sz="1000">
                           <a:solidFill>
                             <a:srgbClr val="404040"/>
                           </a:solidFill>
@@ -21758,11 +21758,11 @@
                         </a:defRPr>
                       </a:pPr>
                       <a:r>
-                        <a:t>$2,200,000,000</a:t>
+                        <a:t>$2.2B</a:t>
                       </a:r>
                     </a:p>
                   </a:txBody>
-                  <a:tcPr anchor="ctr">
+                  <a:tcPr anchor="ctr" marL="45720" marR="45720" marT="27432" marB="27432">
                     <a:solidFill>
                       <a:srgbClr val="FFFFFF"/>
                     </a:solidFill>
@@ -21774,7 +21774,7 @@
                     <a:lstStyle/>
                     <a:p>
                       <a:pPr algn="ctr">
-                        <a:defRPr sz="900">
+                        <a:defRPr sz="1000">
                           <a:solidFill>
                             <a:srgbClr val="404040"/>
                           </a:solidFill>
@@ -21782,11 +21782,11 @@
                         </a:defRPr>
                       </a:pPr>
                       <a:r>
-                        <a:t>$2,100,000,000</a:t>
+                        <a:t>$2.1B</a:t>
                       </a:r>
                     </a:p>
                   </a:txBody>
-                  <a:tcPr anchor="ctr">
+                  <a:tcPr anchor="ctr" marL="45720" marR="45720" marT="27432" marB="27432">
                     <a:solidFill>
                       <a:srgbClr val="FFFFFF"/>
                     </a:solidFill>
@@ -21798,7 +21798,7 @@
                     <a:lstStyle/>
                     <a:p>
                       <a:pPr algn="ctr">
-                        <a:defRPr sz="900">
+                        <a:defRPr sz="1000">
                           <a:solidFill>
                             <a:srgbClr val="404040"/>
                           </a:solidFill>
@@ -21806,11 +21806,11 @@
                         </a:defRPr>
                       </a:pPr>
                       <a:r>
-                        <a:t>$500,000,000</a:t>
+                        <a:t>$500M</a:t>
                       </a:r>
                     </a:p>
                   </a:txBody>
-                  <a:tcPr anchor="ctr">
+                  <a:tcPr anchor="ctr" marL="45720" marR="45720" marT="27432" marB="27432">
                     <a:solidFill>
                       <a:srgbClr val="FFFFFF"/>
                     </a:solidFill>
@@ -21822,7 +21822,7 @@
                     <a:lstStyle/>
                     <a:p>
                       <a:pPr algn="ctr">
-                        <a:defRPr sz="900">
+                        <a:defRPr sz="1000">
                           <a:solidFill>
                             <a:srgbClr val="404040"/>
                           </a:solidFill>
@@ -21830,25 +21830,25 @@
                         </a:defRPr>
                       </a:pPr>
                       <a:r>
-                        <a:t>$1,200,000,000</a:t>
+                        <a:t>$1.2B</a:t>
                       </a:r>
                     </a:p>
                   </a:txBody>
-                  <a:tcPr anchor="ctr">
+                  <a:tcPr anchor="ctr" marL="45720" marR="45720" marT="27432" marB="27432">
                     <a:solidFill>
                       <a:srgbClr val="FFFFFF"/>
                     </a:solidFill>
                   </a:tcPr>
                 </a:tc>
               </a:tr>
-              <a:tr h="274320">
+              <a:tr h="292608">
                 <a:tc>
                   <a:txBody>
                     <a:bodyPr/>
                     <a:lstStyle/>
                     <a:p>
                       <a:pPr algn="ctr">
-                        <a:defRPr sz="900">
+                        <a:defRPr sz="1000">
                           <a:solidFill>
                             <a:srgbClr val="404040"/>
                           </a:solidFill>
@@ -21856,11 +21856,11 @@
                         </a:defRPr>
                       </a:pPr>
                       <a:r>
-                        <a:t>$200,000,000</a:t>
+                        <a:t>$200M</a:t>
                       </a:r>
                     </a:p>
                   </a:txBody>
-                  <a:tcPr anchor="ctr">
+                  <a:tcPr anchor="ctr" marL="45720" marR="45720" marT="27432" marB="27432">
                     <a:solidFill>
                       <a:srgbClr val="FFFFFF"/>
                     </a:solidFill>
@@ -21872,7 +21872,7 @@
                     <a:lstStyle/>
                     <a:p>
                       <a:pPr algn="ctr">
-                        <a:defRPr sz="900">
+                        <a:defRPr sz="1000">
                           <a:solidFill>
                             <a:srgbClr val="404040"/>
                           </a:solidFill>
@@ -21880,11 +21880,11 @@
                         </a:defRPr>
                       </a:pPr>
                       <a:r>
-                        <a:t>$70,000,000</a:t>
+                        <a:t>$70M</a:t>
                       </a:r>
                     </a:p>
                   </a:txBody>
-                  <a:tcPr anchor="ctr">
+                  <a:tcPr anchor="ctr" marL="45720" marR="45720" marT="27432" marB="27432">
                     <a:solidFill>
                       <a:srgbClr val="FFFFFF"/>
                     </a:solidFill>
@@ -21896,7 +21896,7 @@
                     <a:lstStyle/>
                     <a:p>
                       <a:pPr algn="ctr">
-                        <a:defRPr sz="900">
+                        <a:defRPr sz="1000">
                           <a:solidFill>
                             <a:srgbClr val="404040"/>
                           </a:solidFill>
@@ -21904,11 +21904,11 @@
                         </a:defRPr>
                       </a:pPr>
                       <a:r>
-                        <a:t>$75,000,000</a:t>
+                        <a:t>$75M</a:t>
                       </a:r>
                     </a:p>
                   </a:txBody>
-                  <a:tcPr anchor="ctr">
+                  <a:tcPr anchor="ctr" marL="45720" marR="45720" marT="27432" marB="27432">
                     <a:solidFill>
                       <a:srgbClr val="FFFFFF"/>
                     </a:solidFill>
@@ -21920,7 +21920,7 @@
                     <a:lstStyle/>
                     <a:p>
                       <a:pPr algn="ctr">
-                        <a:defRPr sz="900">
+                        <a:defRPr sz="1000">
                           <a:solidFill>
                             <a:srgbClr val="404040"/>
                           </a:solidFill>
@@ -21928,11 +21928,11 @@
                         </a:defRPr>
                       </a:pPr>
                       <a:r>
-                        <a:t>$20,000,000</a:t>
+                        <a:t>$20M</a:t>
                       </a:r>
                     </a:p>
                   </a:txBody>
-                  <a:tcPr anchor="ctr">
+                  <a:tcPr anchor="ctr" marL="45720" marR="45720" marT="27432" marB="27432">
                     <a:solidFill>
                       <a:srgbClr val="FFFFFF"/>
                     </a:solidFill>
@@ -21944,7 +21944,7 @@
                     <a:lstStyle/>
                     <a:p>
                       <a:pPr algn="ctr">
-                        <a:defRPr sz="900">
+                        <a:defRPr sz="1000">
                           <a:solidFill>
                             <a:srgbClr val="404040"/>
                           </a:solidFill>
@@ -21952,25 +21952,25 @@
                         </a:defRPr>
                       </a:pPr>
                       <a:r>
-                        <a:t>$60,000,000</a:t>
+                        <a:t>$60M</a:t>
                       </a:r>
                     </a:p>
                   </a:txBody>
-                  <a:tcPr anchor="ctr">
+                  <a:tcPr anchor="ctr" marL="45720" marR="45720" marT="27432" marB="27432">
                     <a:solidFill>
                       <a:srgbClr val="FFFFFF"/>
                     </a:solidFill>
                   </a:tcPr>
                 </a:tc>
               </a:tr>
-              <a:tr h="274320">
+              <a:tr h="292608">
                 <a:tc>
                   <a:txBody>
                     <a:bodyPr/>
                     <a:lstStyle/>
                     <a:p>
                       <a:pPr algn="ctr">
-                        <a:defRPr sz="900">
+                        <a:defRPr sz="1000">
                           <a:solidFill>
                             <a:srgbClr val="404040"/>
                           </a:solidFill>
@@ -21982,7 +21982,7 @@
                       </a:r>
                     </a:p>
                   </a:txBody>
-                  <a:tcPr anchor="ctr">
+                  <a:tcPr anchor="ctr" marL="45720" marR="45720" marT="27432" marB="27432">
                     <a:solidFill>
                       <a:srgbClr val="FFFFFF"/>
                     </a:solidFill>
@@ -21994,7 +21994,7 @@
                     <a:lstStyle/>
                     <a:p>
                       <a:pPr algn="ctr">
-                        <a:defRPr sz="900">
+                        <a:defRPr sz="1000">
                           <a:solidFill>
                             <a:srgbClr val="404040"/>
                           </a:solidFill>
@@ -22006,7 +22006,7 @@
                       </a:r>
                     </a:p>
                   </a:txBody>
-                  <a:tcPr anchor="ctr">
+                  <a:tcPr anchor="ctr" marL="45720" marR="45720" marT="27432" marB="27432">
                     <a:solidFill>
                       <a:srgbClr val="FFFFFF"/>
                     </a:solidFill>
@@ -22018,7 +22018,7 @@
                     <a:lstStyle/>
                     <a:p>
                       <a:pPr algn="ctr">
-                        <a:defRPr sz="900">
+                        <a:defRPr sz="1000">
                           <a:solidFill>
                             <a:srgbClr val="404040"/>
                           </a:solidFill>
@@ -22030,7 +22030,7 @@
                       </a:r>
                     </a:p>
                   </a:txBody>
-                  <a:tcPr anchor="ctr">
+                  <a:tcPr anchor="ctr" marL="45720" marR="45720" marT="27432" marB="27432">
                     <a:solidFill>
                       <a:srgbClr val="FFFFFF"/>
                     </a:solidFill>
@@ -22042,7 +22042,7 @@
                     <a:lstStyle/>
                     <a:p>
                       <a:pPr algn="ctr">
-                        <a:defRPr sz="900">
+                        <a:defRPr sz="1000">
                           <a:solidFill>
                             <a:srgbClr val="404040"/>
                           </a:solidFill>
@@ -22054,7 +22054,7 @@
                       </a:r>
                     </a:p>
                   </a:txBody>
-                  <a:tcPr anchor="ctr">
+                  <a:tcPr anchor="ctr" marL="45720" marR="45720" marT="27432" marB="27432">
                     <a:solidFill>
                       <a:srgbClr val="FFFFFF"/>
                     </a:solidFill>
@@ -22066,7 +22066,7 @@
                     <a:lstStyle/>
                     <a:p>
                       <a:pPr algn="ctr">
-                        <a:defRPr sz="900">
+                        <a:defRPr sz="1000">
                           <a:solidFill>
                             <a:srgbClr val="404040"/>
                           </a:solidFill>
@@ -22078,7 +22078,7 @@
                       </a:r>
                     </a:p>
                   </a:txBody>
-                  <a:tcPr anchor="ctr">
+                  <a:tcPr anchor="ctr" marL="45720" marR="45720" marT="27432" marB="27432">
                     <a:solidFill>
                       <a:srgbClr val="FFFFFF"/>
                     </a:solidFill>
@@ -22156,7 +22156,7 @@
               </a:defRPr>
             </a:pPr>
             <a:r>
-              <a:t>LlamaIndex</a:t>
+              <a:t>Moelis</a:t>
             </a:r>
           </a:p>
         </p:txBody>
